--- a/Presentation.pptx
+++ b/Presentation.pptx
@@ -205,7 +205,7 @@
           <a:p>
             <a:fld id="{0C7947C4-4634-0940-82DE-8728556FFC7E}" type="datetimeFigureOut">
               <a:rPr lang="en-US" smtClean="0"/>
-              <a:t>10/3/19</a:t>
+              <a:t>10/10/19</a:t>
             </a:fld>
             <a:endParaRPr lang="en-US"/>
           </a:p>
@@ -1300,7 +1300,7 @@
             <a:fld id="{B61BEF0D-F0BB-DE4B-95CE-6DB70DBA9567}" type="datetimeFigureOut">
               <a:rPr lang="en-US" smtClean="0"/>
               <a:pPr/>
-              <a:t>10/3/19</a:t>
+              <a:t>10/10/19</a:t>
             </a:fld>
             <a:endParaRPr lang="en-US" dirty="0"/>
           </a:p>
@@ -1548,7 +1548,7 @@
             <a:fld id="{B61BEF0D-F0BB-DE4B-95CE-6DB70DBA9567}" type="datetimeFigureOut">
               <a:rPr lang="en-US" smtClean="0"/>
               <a:pPr/>
-              <a:t>10/3/19</a:t>
+              <a:t>10/10/19</a:t>
             </a:fld>
             <a:endParaRPr lang="en-US" dirty="0"/>
           </a:p>
@@ -1859,7 +1859,7 @@
             <a:fld id="{B61BEF0D-F0BB-DE4B-95CE-6DB70DBA9567}" type="datetimeFigureOut">
               <a:rPr lang="en-US" smtClean="0"/>
               <a:pPr/>
-              <a:t>10/3/19</a:t>
+              <a:t>10/10/19</a:t>
             </a:fld>
             <a:endParaRPr lang="en-US" dirty="0"/>
           </a:p>
@@ -2183,7 +2183,7 @@
             <a:fld id="{B61BEF0D-F0BB-DE4B-95CE-6DB70DBA9567}" type="datetimeFigureOut">
               <a:rPr lang="en-US" smtClean="0"/>
               <a:pPr/>
-              <a:t>10/3/19</a:t>
+              <a:t>10/10/19</a:t>
             </a:fld>
             <a:endParaRPr lang="en-US" dirty="0"/>
           </a:p>
@@ -2494,7 +2494,7 @@
             <a:fld id="{B61BEF0D-F0BB-DE4B-95CE-6DB70DBA9567}" type="datetimeFigureOut">
               <a:rPr lang="en-US" smtClean="0"/>
               <a:pPr/>
-              <a:t>10/3/19</a:t>
+              <a:t>10/10/19</a:t>
             </a:fld>
             <a:endParaRPr lang="en-US" dirty="0"/>
           </a:p>
@@ -2878,7 +2878,7 @@
             <a:fld id="{B61BEF0D-F0BB-DE4B-95CE-6DB70DBA9567}" type="datetimeFigureOut">
               <a:rPr lang="en-US" smtClean="0"/>
               <a:pPr/>
-              <a:t>10/3/19</a:t>
+              <a:t>10/10/19</a:t>
             </a:fld>
             <a:endParaRPr lang="en-US" dirty="0"/>
           </a:p>
@@ -3044,7 +3044,7 @@
           <a:p>
             <a:fld id="{55C6B4A9-1611-4792-9094-5F34BCA07E0B}" type="datetimeFigureOut">
               <a:rPr lang="en-US" smtClean="0"/>
-              <a:t>10/3/19</a:t>
+              <a:t>10/10/19</a:t>
             </a:fld>
             <a:endParaRPr lang="en-US" dirty="0"/>
           </a:p>
@@ -3220,7 +3220,7 @@
             <a:fld id="{B61BEF0D-F0BB-DE4B-95CE-6DB70DBA9567}" type="datetimeFigureOut">
               <a:rPr lang="en-US" smtClean="0"/>
               <a:pPr/>
-              <a:t>10/3/19</a:t>
+              <a:t>10/10/19</a:t>
             </a:fld>
             <a:endParaRPr lang="en-US" dirty="0"/>
           </a:p>
@@ -3387,7 +3387,7 @@
             <a:fld id="{B61BEF0D-F0BB-DE4B-95CE-6DB70DBA9567}" type="datetimeFigureOut">
               <a:rPr lang="en-US" smtClean="0"/>
               <a:pPr/>
-              <a:t>10/3/19</a:t>
+              <a:t>10/10/19</a:t>
             </a:fld>
             <a:endParaRPr lang="en-US" dirty="0"/>
           </a:p>
@@ -3631,7 +3631,7 @@
             <a:fld id="{B61BEF0D-F0BB-DE4B-95CE-6DB70DBA9567}" type="datetimeFigureOut">
               <a:rPr lang="en-US" smtClean="0"/>
               <a:pPr/>
-              <a:t>10/3/19</a:t>
+              <a:t>10/10/19</a:t>
             </a:fld>
             <a:endParaRPr lang="en-US" dirty="0"/>
           </a:p>
@@ -3859,7 +3859,7 @@
           <a:p>
             <a:fld id="{EB712588-04B1-427B-82EE-E8DB90309F08}" type="datetimeFigureOut">
               <a:rPr lang="en-US" smtClean="0"/>
-              <a:t>10/3/19</a:t>
+              <a:t>10/10/19</a:t>
             </a:fld>
             <a:endParaRPr lang="en-US" dirty="0"/>
           </a:p>
@@ -4229,7 +4229,7 @@
             <a:fld id="{B61BEF0D-F0BB-DE4B-95CE-6DB70DBA9567}" type="datetimeFigureOut">
               <a:rPr lang="en-US" smtClean="0"/>
               <a:pPr/>
-              <a:t>10/3/19</a:t>
+              <a:t>10/10/19</a:t>
             </a:fld>
             <a:endParaRPr lang="en-US" dirty="0"/>
           </a:p>
@@ -4349,7 +4349,7 @@
             <a:fld id="{B61BEF0D-F0BB-DE4B-95CE-6DB70DBA9567}" type="datetimeFigureOut">
               <a:rPr lang="en-US" smtClean="0"/>
               <a:pPr/>
-              <a:t>10/3/19</a:t>
+              <a:t>10/10/19</a:t>
             </a:fld>
             <a:endParaRPr lang="en-US" dirty="0"/>
           </a:p>
@@ -4441,7 +4441,7 @@
             <a:fld id="{B61BEF0D-F0BB-DE4B-95CE-6DB70DBA9567}" type="datetimeFigureOut">
               <a:rPr lang="en-US" smtClean="0"/>
               <a:pPr/>
-              <a:t>10/3/19</a:t>
+              <a:t>10/10/19</a:t>
             </a:fld>
             <a:endParaRPr lang="en-US" dirty="0"/>
           </a:p>
@@ -4692,7 +4692,7 @@
           <a:p>
             <a:fld id="{42A54C80-263E-416B-A8E0-580EDEADCBDC}" type="datetimeFigureOut">
               <a:rPr lang="en-US" smtClean="0"/>
-              <a:t>10/3/19</a:t>
+              <a:t>10/10/19</a:t>
             </a:fld>
             <a:endParaRPr lang="en-US" dirty="0"/>
           </a:p>
@@ -4951,7 +4951,7 @@
             <a:fld id="{B61BEF0D-F0BB-DE4B-95CE-6DB70DBA9567}" type="datetimeFigureOut">
               <a:rPr lang="en-US" smtClean="0"/>
               <a:pPr/>
-              <a:t>10/3/19</a:t>
+              <a:t>10/10/19</a:t>
             </a:fld>
             <a:endParaRPr lang="en-US" dirty="0"/>
           </a:p>
@@ -5693,7 +5693,7 @@
             <a:fld id="{B61BEF0D-F0BB-DE4B-95CE-6DB70DBA9567}" type="datetimeFigureOut">
               <a:rPr lang="en-US" smtClean="0"/>
               <a:pPr/>
-              <a:t>10/3/19</a:t>
+              <a:t>10/10/19</a:t>
             </a:fld>
             <a:endParaRPr lang="en-US" dirty="0"/>
           </a:p>
@@ -7262,43 +7262,6 @@
           </a:p>
         </p:txBody>
       </p:sp>
-      <p:cxnSp>
-        <p:nvCxnSpPr>
-          <p:cNvPr id="58" name="Straight Arrow Connector 57"/>
-          <p:cNvCxnSpPr/>
-          <p:nvPr/>
-        </p:nvCxnSpPr>
-        <p:spPr>
-          <a:xfrm>
-            <a:off x="8965246" y="3241905"/>
-            <a:ext cx="445683" cy="1967405"/>
-          </a:xfrm>
-          <a:prstGeom prst="straightConnector1">
-            <a:avLst/>
-          </a:prstGeom>
-          <a:ln w="38100">
-            <a:solidFill>
-              <a:srgbClr val="FF0000"/>
-            </a:solidFill>
-            <a:prstDash val="sysDot"/>
-            <a:tailEnd type="triangle"/>
-          </a:ln>
-        </p:spPr>
-        <p:style>
-          <a:lnRef idx="2">
-            <a:schemeClr val="accent4"/>
-          </a:lnRef>
-          <a:fillRef idx="0">
-            <a:schemeClr val="accent4"/>
-          </a:fillRef>
-          <a:effectRef idx="1">
-            <a:schemeClr val="accent4"/>
-          </a:effectRef>
-          <a:fontRef idx="minor">
-            <a:schemeClr val="tx1"/>
-          </a:fontRef>
-        </p:style>
-      </p:cxnSp>
     </p:spTree>
     <p:extLst>
       <p:ext uri="{BB962C8B-B14F-4D97-AF65-F5344CB8AC3E}">
